--- a/test/src/PPOrbitalMechanics.pptx
+++ b/test/src/PPOrbitalMechanics.pptx
@@ -3870,7 +3870,7 @@
       </p:sp>
       <p:sp>
         <p:nvSpPr>
-          <p:cNvPr id="2" name="PPOval#2"/>
+          <p:cNvPr id="2" name="PPRect#2"/>
           <p:cNvSpPr/>
           <p:nvPr/>
         </p:nvSpPr>
@@ -3879,7 +3879,7 @@
             <a:off x="2739200" y="3513600"/>
             <a:ext cx="614400" cy="614400"/>
           </a:xfrm>
-          <a:prstGeom prst="ellipse">
+          <a:prstGeom prst="rect">
             <a:avLst/>
           </a:prstGeom>
           <a:solidFill>
@@ -3938,7 +3938,7 @@
       </p:sp>
       <p:sp>
         <p:nvSpPr>
-          <p:cNvPr id="3" name="PPOval#3"/>
+          <p:cNvPr id="3" name="PPRect#3"/>
           <p:cNvSpPr/>
           <p:nvPr/>
         </p:nvSpPr>
@@ -3947,7 +3947,7 @@
             <a:off x="7360000" y="3718400"/>
             <a:ext cx="204800" cy="204800"/>
           </a:xfrm>
-          <a:prstGeom prst="ellipse">
+          <a:prstGeom prst="rect">
             <a:avLst/>
           </a:prstGeom>
           <a:solidFill>

--- a/test/src/PPOrbitalMechanics.pptx
+++ b/test/src/PPOrbitalMechanics.pptx
@@ -4089,6 +4089,35 @@
               </a:path>
             </a:pathLst>
           </a:custGeom>
+          <a:noFill/>
+          <a:ln w="12800">
+            <a:solidFill>
+              <a:srgbClr val="000000"/>
+            </a:solidFill>
+            <a:prstDash val="solid"/>
+            <a:round/>
+            <a:headEnd/>
+            <a:tailEnd/>
+          </a:ln>
+          <a:effectLst/>
+        </p:spPr>
+      </p:sp>
+      <p:sp>
+        <p:nvSpPr>
+          <p:cNvPr id="6" name="PPLine#6"/>
+          <p:cNvSpPr>
+            <a:spLocks noChangeShapeType="1"/>
+          </p:cNvSpPr>
+          <p:nvPr/>
+        </p:nvSpPr>
+        <p:spPr bwMode="auto">
+          <a:xfrm>
+            <a:off x="0" y="0"/>
+            <a:ext cx="1280000" cy="1280000"/>
+          </a:xfrm>
+          <a:prstGeom prst="line">
+            <a:avLst/>
+          </a:prstGeom>
           <a:noFill/>
           <a:ln w="12800">
             <a:solidFill>
